--- a/instructions/QIIME2_Bonus.pptx
+++ b/instructions/QIIME2_Bonus.pptx
@@ -110,6 +110,11 @@
       </a:defRPr>
     </a:lvl9pPr>
   </p:defaultTextStyle>
+  <p:extLst>
+    <p:ext uri="{EFAFB233-063F-42B5-8137-9DF3F51BA10A}">
+      <p15:sldGuideLst xmlns:p15="http://schemas.microsoft.com/office/powerpoint/2012/main"/>
+    </p:ext>
+  </p:extLst>
 </p:presentation>
 </file>
 
@@ -244,7 +249,7 @@
           <a:p>
             <a:fld id="{C01586E5-51C4-F24D-AE1A-79A4DE65E4B6}" type="datetimeFigureOut">
               <a:rPr lang="en-CH" smtClean="0"/>
-              <a:t>23.03.23</a:t>
+              <a:t>28.03.23</a:t>
             </a:fld>
             <a:endParaRPr lang="en-CH"/>
           </a:p>
@@ -414,7 +419,7 @@
           <a:p>
             <a:fld id="{C01586E5-51C4-F24D-AE1A-79A4DE65E4B6}" type="datetimeFigureOut">
               <a:rPr lang="en-CH" smtClean="0"/>
-              <a:t>23.03.23</a:t>
+              <a:t>28.03.23</a:t>
             </a:fld>
             <a:endParaRPr lang="en-CH"/>
           </a:p>
@@ -594,7 +599,7 @@
           <a:p>
             <a:fld id="{C01586E5-51C4-F24D-AE1A-79A4DE65E4B6}" type="datetimeFigureOut">
               <a:rPr lang="en-CH" smtClean="0"/>
-              <a:t>23.03.23</a:t>
+              <a:t>28.03.23</a:t>
             </a:fld>
             <a:endParaRPr lang="en-CH"/>
           </a:p>
@@ -823,7 +828,7 @@
           <a:p>
             <a:fld id="{1D8BD707-D9CF-40AE-B4C6-C98DA3205C09}" type="datetimeFigureOut">
               <a:rPr lang="en-US"/>
-              <a:t>3/23/23</a:t>
+              <a:t>3/28/23</a:t>
             </a:fld>
             <a:endParaRPr lang="en-US"/>
           </a:p>
@@ -983,7 +988,7 @@
           <a:p>
             <a:fld id="{C01586E5-51C4-F24D-AE1A-79A4DE65E4B6}" type="datetimeFigureOut">
               <a:rPr lang="en-CH" smtClean="0"/>
-              <a:t>23.03.23</a:t>
+              <a:t>28.03.23</a:t>
             </a:fld>
             <a:endParaRPr lang="en-CH"/>
           </a:p>
@@ -1227,7 +1232,7 @@
           <a:p>
             <a:fld id="{C01586E5-51C4-F24D-AE1A-79A4DE65E4B6}" type="datetimeFigureOut">
               <a:rPr lang="en-CH" smtClean="0"/>
-              <a:t>23.03.23</a:t>
+              <a:t>28.03.23</a:t>
             </a:fld>
             <a:endParaRPr lang="en-CH"/>
           </a:p>
@@ -1459,7 +1464,7 @@
           <a:p>
             <a:fld id="{C01586E5-51C4-F24D-AE1A-79A4DE65E4B6}" type="datetimeFigureOut">
               <a:rPr lang="en-CH" smtClean="0"/>
-              <a:t>23.03.23</a:t>
+              <a:t>28.03.23</a:t>
             </a:fld>
             <a:endParaRPr lang="en-CH"/>
           </a:p>
@@ -1826,7 +1831,7 @@
           <a:p>
             <a:fld id="{C01586E5-51C4-F24D-AE1A-79A4DE65E4B6}" type="datetimeFigureOut">
               <a:rPr lang="en-CH" smtClean="0"/>
-              <a:t>23.03.23</a:t>
+              <a:t>28.03.23</a:t>
             </a:fld>
             <a:endParaRPr lang="en-CH"/>
           </a:p>
@@ -1944,7 +1949,7 @@
           <a:p>
             <a:fld id="{C01586E5-51C4-F24D-AE1A-79A4DE65E4B6}" type="datetimeFigureOut">
               <a:rPr lang="en-CH" smtClean="0"/>
-              <a:t>23.03.23</a:t>
+              <a:t>28.03.23</a:t>
             </a:fld>
             <a:endParaRPr lang="en-CH"/>
           </a:p>
@@ -2039,7 +2044,7 @@
           <a:p>
             <a:fld id="{C01586E5-51C4-F24D-AE1A-79A4DE65E4B6}" type="datetimeFigureOut">
               <a:rPr lang="en-CH" smtClean="0"/>
-              <a:t>23.03.23</a:t>
+              <a:t>28.03.23</a:t>
             </a:fld>
             <a:endParaRPr lang="en-CH"/>
           </a:p>
@@ -2316,7 +2321,7 @@
           <a:p>
             <a:fld id="{C01586E5-51C4-F24D-AE1A-79A4DE65E4B6}" type="datetimeFigureOut">
               <a:rPr lang="en-CH" smtClean="0"/>
-              <a:t>23.03.23</a:t>
+              <a:t>28.03.23</a:t>
             </a:fld>
             <a:endParaRPr lang="en-CH"/>
           </a:p>
@@ -2573,7 +2578,7 @@
           <a:p>
             <a:fld id="{C01586E5-51C4-F24D-AE1A-79A4DE65E4B6}" type="datetimeFigureOut">
               <a:rPr lang="en-CH" smtClean="0"/>
-              <a:t>23.03.23</a:t>
+              <a:t>28.03.23</a:t>
             </a:fld>
             <a:endParaRPr lang="en-CH"/>
           </a:p>
@@ -2786,7 +2791,7 @@
           <a:p>
             <a:fld id="{C01586E5-51C4-F24D-AE1A-79A4DE65E4B6}" type="datetimeFigureOut">
               <a:rPr lang="en-CH" smtClean="0"/>
-              <a:t>23.03.23</a:t>
+              <a:t>28.03.23</a:t>
             </a:fld>
             <a:endParaRPr lang="en-CH"/>
           </a:p>
@@ -4449,7 +4454,7 @@
         <p:spPr/>
         <p:txBody>
           <a:bodyPr>
-            <a:normAutofit fontScale="85000" lnSpcReduction="20000"/>
+            <a:normAutofit fontScale="70000" lnSpcReduction="20000"/>
           </a:bodyPr>
           <a:lstStyle/>
           <a:p>
@@ -4460,6 +4465,39 @@
           </a:p>
           <a:p>
             <a:endParaRPr lang="en-CH" dirty="0"/>
+          </a:p>
+          <a:p>
+            <a:pPr lvl="1"/>
+            <a:r>
+              <a:rPr lang="en-GB" dirty="0">
+                <a:solidFill>
+                  <a:srgbClr val="FF0000"/>
+                </a:solidFill>
+              </a:rPr>
+              <a:t>CORES: 4</a:t>
+            </a:r>
+          </a:p>
+          <a:p>
+            <a:pPr lvl="1"/>
+            <a:r>
+              <a:rPr lang="en-GB" dirty="0">
+                <a:solidFill>
+                  <a:srgbClr val="FF0000"/>
+                </a:solidFill>
+              </a:rPr>
+              <a:t>RAM: 10</a:t>
+            </a:r>
+          </a:p>
+          <a:p>
+            <a:pPr lvl="1"/>
+            <a:r>
+              <a:rPr lang="en-GB" dirty="0">
+                <a:solidFill>
+                  <a:srgbClr val="FF0000"/>
+                </a:solidFill>
+              </a:rPr>
+              <a:t>SCRATCH: 10</a:t>
+            </a:r>
           </a:p>
           <a:p>
             <a:pPr lvl="1"/>
